--- a/期末報告.pptx
+++ b/期末報告.pptx
@@ -22,23 +22,24 @@
     <p:sldId id="267" r:id="rId18"/>
     <p:sldId id="268" r:id="rId19"/>
     <p:sldId id="269" r:id="rId20"/>
+    <p:sldId id="270" r:id="rId21"/>
   </p:sldIdLst>
   <p:sldSz cy="5143500" cx="9144000"/>
   <p:notesSz cx="6858000" cy="9144000"/>
   <p:embeddedFontLst>
     <p:embeddedFont>
       <p:font typeface="Raleway"/>
-      <p:regular r:id="rId21"/>
-      <p:bold r:id="rId22"/>
-      <p:italic r:id="rId23"/>
-      <p:boldItalic r:id="rId24"/>
+      <p:regular r:id="rId22"/>
+      <p:bold r:id="rId23"/>
+      <p:italic r:id="rId24"/>
+      <p:boldItalic r:id="rId25"/>
     </p:embeddedFont>
     <p:embeddedFont>
       <p:font typeface="Lato"/>
-      <p:regular r:id="rId25"/>
-      <p:bold r:id="rId26"/>
-      <p:italic r:id="rId27"/>
-      <p:boldItalic r:id="rId28"/>
+      <p:regular r:id="rId26"/>
+      <p:bold r:id="rId27"/>
+      <p:italic r:id="rId28"/>
+      <p:boldItalic r:id="rId29"/>
     </p:embeddedFont>
   </p:embeddedFontLst>
   <p:defaultTextStyle>
@@ -833,7 +834,7 @@
       </p:grpSpPr>
       <p:sp>
         <p:nvSpPr>
-          <p:cNvPr id="137" name="Google Shape;137;g32a769aea34_0_251:notes"/>
+          <p:cNvPr id="137" name="Google Shape;137;g32a8ba3ba8a_0_0:notes"/>
           <p:cNvSpPr/>
           <p:nvPr>
             <p:ph idx="2" type="sldImg"/>
@@ -868,7 +869,7 @@
       </p:sp>
       <p:sp>
         <p:nvSpPr>
-          <p:cNvPr id="138" name="Google Shape;138;g32a769aea34_0_251:notes"/>
+          <p:cNvPr id="138" name="Google Shape;138;g32a8ba3ba8a_0_0:notes"/>
           <p:cNvSpPr txBox="1"/>
           <p:nvPr>
             <p:ph idx="1" type="body"/>
@@ -918,7 +919,7 @@
   <p:cSld>
     <p:spTree>
       <p:nvGrpSpPr>
-        <p:cNvPr id="142" name="Shape 142"/>
+        <p:cNvPr id="143" name="Shape 143"/>
         <p:cNvGrpSpPr/>
         <p:nvPr/>
       </p:nvGrpSpPr>
@@ -932,7 +933,7 @@
       </p:grpSpPr>
       <p:sp>
         <p:nvSpPr>
-          <p:cNvPr id="143" name="Google Shape;143;g32a769aea34_0_244:notes"/>
+          <p:cNvPr id="144" name="Google Shape;144;g32a8ba3ba8a_0_6:notes"/>
           <p:cNvSpPr/>
           <p:nvPr>
             <p:ph idx="2" type="sldImg"/>
@@ -967,7 +968,7 @@
       </p:sp>
       <p:sp>
         <p:nvSpPr>
-          <p:cNvPr id="144" name="Google Shape;144;g32a769aea34_0_244:notes"/>
+          <p:cNvPr id="145" name="Google Shape;145;g32a8ba3ba8a_0_6:notes"/>
           <p:cNvSpPr txBox="1"/>
           <p:nvPr>
             <p:ph idx="1" type="body"/>
@@ -1017,7 +1018,7 @@
   <p:cSld>
     <p:spTree>
       <p:nvGrpSpPr>
-        <p:cNvPr id="149" name="Shape 149"/>
+        <p:cNvPr id="150" name="Shape 150"/>
         <p:cNvGrpSpPr/>
         <p:nvPr/>
       </p:nvGrpSpPr>
@@ -1031,7 +1032,7 @@
       </p:grpSpPr>
       <p:sp>
         <p:nvSpPr>
-          <p:cNvPr id="150" name="Google Shape;150;g323b9e312d5_0_0:notes"/>
+          <p:cNvPr id="151" name="Google Shape;151;g32a769aea34_0_251:notes"/>
           <p:cNvSpPr/>
           <p:nvPr>
             <p:ph idx="2" type="sldImg"/>
@@ -1066,7 +1067,7 @@
       </p:sp>
       <p:sp>
         <p:nvSpPr>
-          <p:cNvPr id="151" name="Google Shape;151;g323b9e312d5_0_0:notes"/>
+          <p:cNvPr id="152" name="Google Shape;152;g32a769aea34_0_251:notes"/>
           <p:cNvSpPr txBox="1"/>
           <p:nvPr>
             <p:ph idx="1" type="body"/>
@@ -1116,7 +1117,7 @@
   <p:cSld>
     <p:spTree>
       <p:nvGrpSpPr>
-        <p:cNvPr id="155" name="Shape 155"/>
+        <p:cNvPr id="156" name="Shape 156"/>
         <p:cNvGrpSpPr/>
         <p:nvPr/>
       </p:nvGrpSpPr>
@@ -1130,7 +1131,7 @@
       </p:grpSpPr>
       <p:sp>
         <p:nvSpPr>
-          <p:cNvPr id="156" name="Google Shape;156;g32a769aea34_1_0:notes"/>
+          <p:cNvPr id="157" name="Google Shape;157;g323b9e312d5_0_0:notes"/>
           <p:cNvSpPr/>
           <p:nvPr>
             <p:ph idx="2" type="sldImg"/>
@@ -1165,7 +1166,7 @@
       </p:sp>
       <p:sp>
         <p:nvSpPr>
-          <p:cNvPr id="157" name="Google Shape;157;g32a769aea34_1_0:notes"/>
+          <p:cNvPr id="158" name="Google Shape;158;g323b9e312d5_0_0:notes"/>
           <p:cNvSpPr txBox="1"/>
           <p:nvPr>
             <p:ph idx="1" type="body"/>
@@ -1215,7 +1216,7 @@
   <p:cSld>
     <p:spTree>
       <p:nvGrpSpPr>
-        <p:cNvPr id="161" name="Shape 161"/>
+        <p:cNvPr id="162" name="Shape 162"/>
         <p:cNvGrpSpPr/>
         <p:nvPr/>
       </p:nvGrpSpPr>
@@ -1229,7 +1230,7 @@
       </p:grpSpPr>
       <p:sp>
         <p:nvSpPr>
-          <p:cNvPr id="162" name="Google Shape;162;g32a769aea34_1_5:notes"/>
+          <p:cNvPr id="163" name="Google Shape;163;g32a769aea34_1_0:notes"/>
           <p:cNvSpPr/>
           <p:nvPr>
             <p:ph idx="2" type="sldImg"/>
@@ -1264,7 +1265,106 @@
       </p:sp>
       <p:sp>
         <p:nvSpPr>
-          <p:cNvPr id="163" name="Google Shape;163;g32a769aea34_1_5:notes"/>
+          <p:cNvPr id="164" name="Google Shape;164;g32a769aea34_1_0:notes"/>
+          <p:cNvSpPr txBox="1"/>
+          <p:nvPr>
+            <p:ph idx="1" type="body"/>
+          </p:nvPr>
+        </p:nvSpPr>
+        <p:spPr>
+          <a:xfrm>
+            <a:off x="685800" y="4343400"/>
+            <a:ext cx="5486400" cy="4114800"/>
+          </a:xfrm>
+          <a:prstGeom prst="rect">
+            <a:avLst/>
+          </a:prstGeom>
+        </p:spPr>
+        <p:txBody>
+          <a:bodyPr anchorCtr="0" anchor="t" bIns="91425" lIns="91425" spcFirstLastPara="1" rIns="91425" wrap="square" tIns="91425">
+            <a:noAutofit/>
+          </a:bodyPr>
+          <a:lstStyle/>
+          <a:p>
+            <a:pPr indent="0" lvl="0" marL="0" rtl="0" algn="l">
+              <a:spcBef>
+                <a:spcPts val="0"/>
+              </a:spcBef>
+              <a:spcAft>
+                <a:spcPts val="0"/>
+              </a:spcAft>
+              <a:buNone/>
+            </a:pPr>
+            <a:r>
+              <a:t/>
+            </a:r>
+            <a:endParaRPr/>
+          </a:p>
+        </p:txBody>
+      </p:sp>
+    </p:spTree>
+  </p:cSld>
+  <p:clrMapOvr>
+    <a:masterClrMapping/>
+  </p:clrMapOvr>
+</p:notes>
+</file>
+
+<file path=ppt/notesSlides/notesSlide15.xml><?xml version="1.0" encoding="utf-8"?>
+<p:notes xmlns:a="http://schemas.openxmlformats.org/drawingml/2006/main" xmlns:r="http://schemas.openxmlformats.org/officeDocument/2006/relationships" xmlns:mc="http://schemas.openxmlformats.org/markup-compatibility/2006" xmlns:mv="urn:schemas-microsoft-com:mac:vml" xmlns:p="http://schemas.openxmlformats.org/presentationml/2006/main" xmlns:c="http://schemas.openxmlformats.org/drawingml/2006/chart" xmlns:dgm="http://schemas.openxmlformats.org/drawingml/2006/diagram" xmlns:o="urn:schemas-microsoft-com:office:office" xmlns:v="urn:schemas-microsoft-com:vml" xmlns:pvml="urn:schemas-microsoft-com:office:powerpoint" xmlns:com="http://schemas.openxmlformats.org/drawingml/2006/compatibility" xmlns:p14="http://schemas.microsoft.com/office/powerpoint/2010/main" xmlns:p15="http://schemas.microsoft.com/office/powerpoint/2012/main" xmlns:ahyp="http://schemas.microsoft.com/office/drawing/2018/hyperlinkcolor" showMasterPhAnim="0" showMasterSp="0">
+  <p:cSld>
+    <p:spTree>
+      <p:nvGrpSpPr>
+        <p:cNvPr id="167" name="Shape 167"/>
+        <p:cNvGrpSpPr/>
+        <p:nvPr/>
+      </p:nvGrpSpPr>
+      <p:grpSpPr>
+        <a:xfrm>
+          <a:off x="0" y="0"/>
+          <a:ext cx="0" cy="0"/>
+          <a:chOff x="0" y="0"/>
+          <a:chExt cx="0" cy="0"/>
+        </a:xfrm>
+      </p:grpSpPr>
+      <p:sp>
+        <p:nvSpPr>
+          <p:cNvPr id="168" name="Google Shape;168;g32a769aea34_1_5:notes"/>
+          <p:cNvSpPr/>
+          <p:nvPr>
+            <p:ph idx="2" type="sldImg"/>
+          </p:nvPr>
+        </p:nvSpPr>
+        <p:spPr>
+          <a:xfrm>
+            <a:off x="381300" y="685800"/>
+            <a:ext cx="6096000" cy="3429000"/>
+          </a:xfrm>
+          <a:custGeom>
+            <a:rect b="b" l="l" r="r" t="t"/>
+            <a:pathLst>
+              <a:path extrusionOk="0" h="120000" w="120000">
+                <a:moveTo>
+                  <a:pt x="0" y="0"/>
+                </a:moveTo>
+                <a:lnTo>
+                  <a:pt x="120000" y="0"/>
+                </a:lnTo>
+                <a:lnTo>
+                  <a:pt x="120000" y="120000"/>
+                </a:lnTo>
+                <a:lnTo>
+                  <a:pt x="0" y="120000"/>
+                </a:lnTo>
+                <a:close/>
+              </a:path>
+            </a:pathLst>
+          </a:custGeom>
+        </p:spPr>
+      </p:sp>
+      <p:sp>
+        <p:nvSpPr>
+          <p:cNvPr id="169" name="Google Shape;169;g32a769aea34_1_5:notes"/>
           <p:cNvSpPr txBox="1"/>
           <p:nvPr>
             <p:ph idx="1" type="body"/>
@@ -8441,10 +8541,10 @@
               <a:buNone/>
             </a:pPr>
             <a:r>
-              <a:rPr lang="zh-TW"/>
+              <a:rPr lang="zh-TW" sz="4500"/>
               <a:t>宿舍報修系統</a:t>
             </a:r>
-            <a:endParaRPr/>
+            <a:endParaRPr sz="4500"/>
           </a:p>
         </p:txBody>
       </p:sp>
@@ -8481,10 +8581,10 @@
               <a:buNone/>
             </a:pPr>
             <a:r>
-              <a:rPr lang="zh-TW"/>
+              <a:rPr lang="zh-TW" sz="1800"/>
               <a:t>Date: 2025/01/10</a:t>
             </a:r>
-            <a:endParaRPr/>
+            <a:endParaRPr sz="1800"/>
           </a:p>
         </p:txBody>
       </p:sp>
@@ -8532,7 +8632,7 @@
         </p:spPr>
         <p:txBody>
           <a:bodyPr anchorCtr="0" anchor="t" bIns="91425" lIns="91425" spcFirstLastPara="1" rIns="91425" wrap="square" tIns="91425">
-            <a:normAutofit fontScale="90000"/>
+            <a:noAutofit/>
           </a:bodyPr>
           <a:lstStyle/>
           <a:p>
@@ -8543,13 +8643,14 @@
               <a:spcAft>
                 <a:spcPts val="0"/>
               </a:spcAft>
+              <a:buSzPts val="990"/>
               <a:buNone/>
             </a:pPr>
             <a:r>
-              <a:rPr lang="zh-TW"/>
-              <a:t>系統架構</a:t>
+              <a:rPr lang="zh-TW" sz="3040"/>
+              <a:t>ER Model</a:t>
             </a:r>
-            <a:endParaRPr/>
+            <a:endParaRPr sz="3040"/>
           </a:p>
         </p:txBody>
       </p:sp>
@@ -8576,87 +8677,50 @@
           </a:bodyPr>
           <a:lstStyle/>
           <a:p>
-            <a:pPr indent="-342900" lvl="0" marL="457200" rtl="0" algn="l">
-              <a:lnSpc>
-                <a:spcPct val="150000"/>
-              </a:lnSpc>
-              <a:spcBef>
-                <a:spcPts val="0"/>
-              </a:spcBef>
-              <a:spcAft>
-                <a:spcPts val="0"/>
-              </a:spcAft>
-              <a:buSzPts val="1800"/>
-              <a:buChar char="●"/>
+            <a:pPr indent="0" lvl="0" marL="0" rtl="0" algn="l">
+              <a:spcBef>
+                <a:spcPts val="0"/>
+              </a:spcBef>
+              <a:spcAft>
+                <a:spcPts val="1200"/>
+              </a:spcAft>
+              <a:buNone/>
             </a:pPr>
             <a:r>
-              <a:rPr lang="zh-TW" sz="1800"/>
-              <a:t>前端技術：</a:t>
+              <a:t/>
             </a:r>
-            <a:endParaRPr sz="1800"/>
-          </a:p>
-          <a:p>
-            <a:pPr indent="-342900" lvl="1" marL="914400" rtl="0" algn="l">
-              <a:lnSpc>
-                <a:spcPct val="150000"/>
-              </a:lnSpc>
-              <a:spcBef>
-                <a:spcPts val="0"/>
-              </a:spcBef>
-              <a:spcAft>
-                <a:spcPts val="0"/>
-              </a:spcAft>
-              <a:buSzPts val="1800"/>
-              <a:buChar char="○"/>
-            </a:pPr>
-            <a:r>
-              <a:rPr lang="zh-TW" sz="1800"/>
-              <a:t>HTML, CSS, JavaScript (Bootstrap 5)</a:t>
-            </a:r>
-            <a:endParaRPr sz="1800"/>
-          </a:p>
-          <a:p>
-            <a:pPr indent="-342900" lvl="0" marL="457200" rtl="0" algn="l">
-              <a:lnSpc>
-                <a:spcPct val="150000"/>
-              </a:lnSpc>
-              <a:spcBef>
-                <a:spcPts val="0"/>
-              </a:spcBef>
-              <a:spcAft>
-                <a:spcPts val="0"/>
-              </a:spcAft>
-              <a:buSzPts val="1800"/>
-              <a:buChar char="●"/>
-            </a:pPr>
-            <a:r>
-              <a:rPr lang="zh-TW" sz="1800"/>
-              <a:t>後端技術：</a:t>
-            </a:r>
-            <a:endParaRPr sz="1800"/>
-          </a:p>
-          <a:p>
-            <a:pPr indent="-342900" lvl="1" marL="914400" rtl="0" algn="l">
-              <a:lnSpc>
-                <a:spcPct val="150000"/>
-              </a:lnSpc>
-              <a:spcBef>
-                <a:spcPts val="0"/>
-              </a:spcBef>
-              <a:spcAft>
-                <a:spcPts val="0"/>
-              </a:spcAft>
-              <a:buSzPts val="1800"/>
-              <a:buChar char="○"/>
-            </a:pPr>
-            <a:r>
-              <a:rPr lang="zh-TW" sz="1800"/>
-              <a:t>PHP, MySQL</a:t>
-            </a:r>
-            <a:endParaRPr sz="1800"/>
+            <a:endParaRPr/>
           </a:p>
         </p:txBody>
       </p:sp>
+      <p:pic>
+        <p:nvPicPr>
+          <p:cNvPr id="142" name="Google Shape;142;p22"/>
+          <p:cNvPicPr preferRelativeResize="0"/>
+          <p:nvPr/>
+        </p:nvPicPr>
+        <p:blipFill>
+          <a:blip r:embed="rId3">
+            <a:alphaModFix/>
+          </a:blip>
+          <a:stretch>
+            <a:fillRect/>
+          </a:stretch>
+        </p:blipFill>
+        <p:spPr>
+          <a:xfrm>
+            <a:off x="1707474" y="1918875"/>
+            <a:ext cx="5732649" cy="3224624"/>
+          </a:xfrm>
+          <a:prstGeom prst="rect">
+            <a:avLst/>
+          </a:prstGeom>
+          <a:noFill/>
+          <a:ln>
+            <a:noFill/>
+          </a:ln>
+        </p:spPr>
+      </p:pic>
     </p:spTree>
   </p:cSld>
   <p:clrMapOvr>
@@ -8670,7 +8734,7 @@
   <p:cSld>
     <p:spTree>
       <p:nvGrpSpPr>
-        <p:cNvPr id="145" name="Shape 145"/>
+        <p:cNvPr id="146" name="Shape 146"/>
         <p:cNvGrpSpPr/>
         <p:nvPr/>
       </p:nvGrpSpPr>
@@ -8684,7 +8748,7 @@
       </p:grpSpPr>
       <p:sp>
         <p:nvSpPr>
-          <p:cNvPr id="146" name="Google Shape;146;p23"/>
+          <p:cNvPr id="147" name="Google Shape;147;p23"/>
           <p:cNvSpPr txBox="1"/>
           <p:nvPr>
             <p:ph type="title"/>
@@ -8712,19 +8776,20 @@
               <a:spcAft>
                 <a:spcPts val="0"/>
               </a:spcAft>
+              <a:buSzPts val="990"/>
               <a:buNone/>
             </a:pPr>
             <a:r>
-              <a:rPr lang="zh-TW" sz="3000"/>
-              <a:t>系統架構</a:t>
+              <a:rPr lang="zh-TW" sz="2411"/>
+              <a:t>Relational Data Model</a:t>
             </a:r>
-            <a:endParaRPr sz="3000"/>
+            <a:endParaRPr sz="2411"/>
           </a:p>
         </p:txBody>
       </p:sp>
       <p:sp>
         <p:nvSpPr>
-          <p:cNvPr id="147" name="Google Shape;147;p23"/>
+          <p:cNvPr id="148" name="Google Shape;148;p23"/>
           <p:cNvSpPr txBox="1"/>
           <p:nvPr>
             <p:ph idx="1" type="body"/>
@@ -8763,7 +8828,7 @@
       </p:sp>
       <p:pic>
         <p:nvPicPr>
-          <p:cNvPr id="148" name="Google Shape;148;p23"/>
+          <p:cNvPr id="149" name="Google Shape;149;p23"/>
           <p:cNvPicPr preferRelativeResize="0"/>
           <p:nvPr/>
         </p:nvPicPr>
@@ -8777,8 +8842,8 @@
         </p:blipFill>
         <p:spPr>
           <a:xfrm>
-            <a:off x="1460772" y="1853850"/>
-            <a:ext cx="5567704" cy="3289651"/>
+            <a:off x="1647870" y="1853850"/>
+            <a:ext cx="5848253" cy="3289651"/>
           </a:xfrm>
           <a:prstGeom prst="rect">
             <a:avLst/>
@@ -8802,7 +8867,7 @@
   <p:cSld>
     <p:spTree>
       <p:nvGrpSpPr>
-        <p:cNvPr id="152" name="Shape 152"/>
+        <p:cNvPr id="153" name="Shape 153"/>
         <p:cNvGrpSpPr/>
         <p:nvPr/>
       </p:nvGrpSpPr>
@@ -8816,7 +8881,7 @@
       </p:grpSpPr>
       <p:sp>
         <p:nvSpPr>
-          <p:cNvPr id="153" name="Google Shape;153;p24"/>
+          <p:cNvPr id="154" name="Google Shape;154;p24"/>
           <p:cNvSpPr txBox="1"/>
           <p:nvPr>
             <p:ph type="title"/>
@@ -8848,6 +8913,175 @@
             </a:pPr>
             <a:r>
               <a:rPr lang="zh-TW"/>
+              <a:t>系統架構</a:t>
+            </a:r>
+            <a:endParaRPr/>
+          </a:p>
+        </p:txBody>
+      </p:sp>
+      <p:sp>
+        <p:nvSpPr>
+          <p:cNvPr id="155" name="Google Shape;155;p24"/>
+          <p:cNvSpPr txBox="1"/>
+          <p:nvPr>
+            <p:ph idx="1" type="body"/>
+          </p:nvPr>
+        </p:nvSpPr>
+        <p:spPr>
+          <a:xfrm>
+            <a:off x="729450" y="2078875"/>
+            <a:ext cx="7688700" cy="2261100"/>
+          </a:xfrm>
+          <a:prstGeom prst="rect">
+            <a:avLst/>
+          </a:prstGeom>
+        </p:spPr>
+        <p:txBody>
+          <a:bodyPr anchorCtr="0" anchor="t" bIns="91425" lIns="91425" spcFirstLastPara="1" rIns="91425" wrap="square" tIns="91425">
+            <a:normAutofit/>
+          </a:bodyPr>
+          <a:lstStyle/>
+          <a:p>
+            <a:pPr indent="-342900" lvl="0" marL="457200" rtl="0" algn="l">
+              <a:lnSpc>
+                <a:spcPct val="150000"/>
+              </a:lnSpc>
+              <a:spcBef>
+                <a:spcPts val="0"/>
+              </a:spcBef>
+              <a:spcAft>
+                <a:spcPts val="0"/>
+              </a:spcAft>
+              <a:buSzPts val="1800"/>
+              <a:buChar char="●"/>
+            </a:pPr>
+            <a:r>
+              <a:rPr lang="zh-TW" sz="1800"/>
+              <a:t>前端技術：</a:t>
+            </a:r>
+            <a:endParaRPr sz="1800"/>
+          </a:p>
+          <a:p>
+            <a:pPr indent="-342900" lvl="1" marL="914400" rtl="0" algn="l">
+              <a:lnSpc>
+                <a:spcPct val="150000"/>
+              </a:lnSpc>
+              <a:spcBef>
+                <a:spcPts val="0"/>
+              </a:spcBef>
+              <a:spcAft>
+                <a:spcPts val="0"/>
+              </a:spcAft>
+              <a:buSzPts val="1800"/>
+              <a:buChar char="○"/>
+            </a:pPr>
+            <a:r>
+              <a:rPr lang="zh-TW" sz="1800"/>
+              <a:t>HTML, CSS, JavaScript (Bootstrap 5)</a:t>
+            </a:r>
+            <a:endParaRPr sz="1800"/>
+          </a:p>
+          <a:p>
+            <a:pPr indent="-342900" lvl="0" marL="457200" rtl="0" algn="l">
+              <a:lnSpc>
+                <a:spcPct val="150000"/>
+              </a:lnSpc>
+              <a:spcBef>
+                <a:spcPts val="0"/>
+              </a:spcBef>
+              <a:spcAft>
+                <a:spcPts val="0"/>
+              </a:spcAft>
+              <a:buSzPts val="1800"/>
+              <a:buChar char="●"/>
+            </a:pPr>
+            <a:r>
+              <a:rPr lang="zh-TW" sz="1800"/>
+              <a:t>後端技術：</a:t>
+            </a:r>
+            <a:endParaRPr sz="1800"/>
+          </a:p>
+          <a:p>
+            <a:pPr indent="-342900" lvl="1" marL="914400" rtl="0" algn="l">
+              <a:lnSpc>
+                <a:spcPct val="150000"/>
+              </a:lnSpc>
+              <a:spcBef>
+                <a:spcPts val="0"/>
+              </a:spcBef>
+              <a:spcAft>
+                <a:spcPts val="0"/>
+              </a:spcAft>
+              <a:buSzPts val="1800"/>
+              <a:buChar char="○"/>
+            </a:pPr>
+            <a:r>
+              <a:rPr lang="zh-TW" sz="1800"/>
+              <a:t>PHP, MySQL</a:t>
+            </a:r>
+            <a:endParaRPr sz="1800"/>
+          </a:p>
+        </p:txBody>
+      </p:sp>
+    </p:spTree>
+  </p:cSld>
+  <p:clrMapOvr>
+    <a:masterClrMapping/>
+  </p:clrMapOvr>
+</p:sld>
+</file>
+
+<file path=ppt/slides/slide13.xml><?xml version="1.0" encoding="utf-8"?>
+<p:sld xmlns:a="http://schemas.openxmlformats.org/drawingml/2006/main" xmlns:r="http://schemas.openxmlformats.org/officeDocument/2006/relationships" xmlns:mc="http://schemas.openxmlformats.org/markup-compatibility/2006" xmlns:mv="urn:schemas-microsoft-com:mac:vml" xmlns:p="http://schemas.openxmlformats.org/presentationml/2006/main" xmlns:c="http://schemas.openxmlformats.org/drawingml/2006/chart" xmlns:dgm="http://schemas.openxmlformats.org/drawingml/2006/diagram" xmlns:o="urn:schemas-microsoft-com:office:office" xmlns:v="urn:schemas-microsoft-com:vml" xmlns:pvml="urn:schemas-microsoft-com:office:powerpoint" xmlns:com="http://schemas.openxmlformats.org/drawingml/2006/compatibility" xmlns:p14="http://schemas.microsoft.com/office/powerpoint/2010/main" xmlns:p15="http://schemas.microsoft.com/office/powerpoint/2012/main" xmlns:ahyp="http://schemas.microsoft.com/office/drawing/2018/hyperlinkcolor">
+  <p:cSld>
+    <p:spTree>
+      <p:nvGrpSpPr>
+        <p:cNvPr id="159" name="Shape 159"/>
+        <p:cNvGrpSpPr/>
+        <p:nvPr/>
+      </p:nvGrpSpPr>
+      <p:grpSpPr>
+        <a:xfrm>
+          <a:off x="0" y="0"/>
+          <a:ext cx="0" cy="0"/>
+          <a:chOff x="0" y="0"/>
+          <a:chExt cx="0" cy="0"/>
+        </a:xfrm>
+      </p:grpSpPr>
+      <p:sp>
+        <p:nvSpPr>
+          <p:cNvPr id="160" name="Google Shape;160;p25"/>
+          <p:cNvSpPr txBox="1"/>
+          <p:nvPr>
+            <p:ph type="title"/>
+          </p:nvPr>
+        </p:nvSpPr>
+        <p:spPr>
+          <a:xfrm>
+            <a:off x="729450" y="1318650"/>
+            <a:ext cx="7688700" cy="535200"/>
+          </a:xfrm>
+          <a:prstGeom prst="rect">
+            <a:avLst/>
+          </a:prstGeom>
+        </p:spPr>
+        <p:txBody>
+          <a:bodyPr anchorCtr="0" anchor="t" bIns="91425" lIns="91425" spcFirstLastPara="1" rIns="91425" wrap="square" tIns="91425">
+            <a:normAutofit fontScale="90000"/>
+          </a:bodyPr>
+          <a:lstStyle/>
+          <a:p>
+            <a:pPr indent="0" lvl="0" marL="0" rtl="0" algn="l">
+              <a:spcBef>
+                <a:spcPts val="0"/>
+              </a:spcBef>
+              <a:spcAft>
+                <a:spcPts val="0"/>
+              </a:spcAft>
+              <a:buNone/>
+            </a:pPr>
+            <a:r>
+              <a:rPr lang="zh-TW"/>
               <a:t>分工表</a:t>
             </a:r>
             <a:endParaRPr/>
@@ -8856,7 +9090,7 @@
       </p:sp>
       <p:graphicFrame>
         <p:nvGraphicFramePr>
-          <p:cNvPr id="154" name="Google Shape;154;p24"/>
+          <p:cNvPr id="161" name="Google Shape;161;p25"/>
           <p:cNvGraphicFramePr/>
           <p:nvPr/>
         </p:nvGraphicFramePr>
@@ -8869,7 +9103,7 @@
             <a:tbl>
               <a:tblPr>
                 <a:noFill/>
-                <a:tableStyleId>{EA7464D6-2604-4945-A51B-7BDAFC95FD16}</a:tableStyleId>
+                <a:tableStyleId>{89D25831-053F-4F6E-B5B9-E16803E3CF80}</a:tableStyleId>
               </a:tblPr>
               <a:tblGrid>
                 <a:gridCol w="2562900"/>
@@ -8968,7 +9202,7 @@
                       <a:r>
                         <a:rPr lang="zh-TW" sz="1600">
                           <a:solidFill>
-                            <a:schemeClr val="accent1"/>
+                            <a:schemeClr val="dk2"/>
                           </a:solidFill>
                           <a:latin typeface="Lato"/>
                           <a:ea typeface="Lato"/>
@@ -8977,7 +9211,11 @@
                         </a:rPr>
                         <a:t>賴映君</a:t>
                       </a:r>
-                      <a:endParaRPr sz="1600"/>
+                      <a:endParaRPr sz="1600">
+                        <a:solidFill>
+                          <a:schemeClr val="dk2"/>
+                        </a:solidFill>
+                      </a:endParaRPr>
                     </a:p>
                   </a:txBody>
                   <a:tcPr marT="91425" marB="91425" marR="91425" marL="91425"/>
@@ -9118,12 +9356,12 @@
 </p:sld>
 </file>
 
-<file path=ppt/slides/slide13.xml><?xml version="1.0" encoding="utf-8"?>
+<file path=ppt/slides/slide14.xml><?xml version="1.0" encoding="utf-8"?>
 <p:sld xmlns:a="http://schemas.openxmlformats.org/drawingml/2006/main" xmlns:r="http://schemas.openxmlformats.org/officeDocument/2006/relationships" xmlns:mc="http://schemas.openxmlformats.org/markup-compatibility/2006" xmlns:mv="urn:schemas-microsoft-com:mac:vml" xmlns:p="http://schemas.openxmlformats.org/presentationml/2006/main" xmlns:c="http://schemas.openxmlformats.org/drawingml/2006/chart" xmlns:dgm="http://schemas.openxmlformats.org/drawingml/2006/diagram" xmlns:o="urn:schemas-microsoft-com:office:office" xmlns:v="urn:schemas-microsoft-com:vml" xmlns:pvml="urn:schemas-microsoft-com:office:powerpoint" xmlns:com="http://schemas.openxmlformats.org/drawingml/2006/compatibility" xmlns:p14="http://schemas.microsoft.com/office/powerpoint/2010/main" xmlns:p15="http://schemas.microsoft.com/office/powerpoint/2012/main" xmlns:ahyp="http://schemas.microsoft.com/office/drawing/2018/hyperlinkcolor">
   <p:cSld>
     <p:spTree>
       <p:nvGrpSpPr>
-        <p:cNvPr id="158" name="Shape 158"/>
+        <p:cNvPr id="165" name="Shape 165"/>
         <p:cNvGrpSpPr/>
         <p:nvPr/>
       </p:nvGrpSpPr>
@@ -9137,7 +9375,7 @@
       </p:grpSpPr>
       <p:sp>
         <p:nvSpPr>
-          <p:cNvPr id="159" name="Google Shape;159;p25"/>
+          <p:cNvPr id="166" name="Google Shape;166;p26"/>
           <p:cNvSpPr txBox="1"/>
           <p:nvPr>
             <p:ph type="title"/>
@@ -9146,7 +9384,7 @@
         <p:spPr>
           <a:xfrm>
             <a:off x="729450" y="2078875"/>
-            <a:ext cx="7688700" cy="760200"/>
+            <a:ext cx="7688700" cy="964200"/>
           </a:xfrm>
           <a:prstGeom prst="rect">
             <a:avLst/>
@@ -9168,49 +9406,10 @@
               <a:buNone/>
             </a:pPr>
             <a:r>
-              <a:rPr lang="zh-TW" sz="3600"/>
+              <a:rPr lang="zh-TW" sz="4200"/>
               <a:t>Demo</a:t>
             </a:r>
-            <a:endParaRPr sz="3600"/>
-          </a:p>
-        </p:txBody>
-      </p:sp>
-      <p:sp>
-        <p:nvSpPr>
-          <p:cNvPr id="160" name="Google Shape;160;p25"/>
-          <p:cNvSpPr txBox="1"/>
-          <p:nvPr>
-            <p:ph idx="1" type="body"/>
-          </p:nvPr>
-        </p:nvSpPr>
-        <p:spPr>
-          <a:xfrm>
-            <a:off x="729450" y="2078875"/>
-            <a:ext cx="7688700" cy="2261100"/>
-          </a:xfrm>
-          <a:prstGeom prst="rect">
-            <a:avLst/>
-          </a:prstGeom>
-        </p:spPr>
-        <p:txBody>
-          <a:bodyPr anchorCtr="0" anchor="t" bIns="91425" lIns="91425" spcFirstLastPara="1" rIns="91425" wrap="square" tIns="91425">
-            <a:normAutofit/>
-          </a:bodyPr>
-          <a:lstStyle/>
-          <a:p>
-            <a:pPr indent="0" lvl="0" marL="0" rtl="0" algn="l">
-              <a:spcBef>
-                <a:spcPts val="0"/>
-              </a:spcBef>
-              <a:spcAft>
-                <a:spcPts val="1200"/>
-              </a:spcAft>
-              <a:buNone/>
-            </a:pPr>
-            <a:r>
-              <a:t/>
-            </a:r>
-            <a:endParaRPr/>
+            <a:endParaRPr sz="4200"/>
           </a:p>
         </p:txBody>
       </p:sp>
@@ -9222,12 +9421,12 @@
 </p:sld>
 </file>
 
-<file path=ppt/slides/slide14.xml><?xml version="1.0" encoding="utf-8"?>
+<file path=ppt/slides/slide15.xml><?xml version="1.0" encoding="utf-8"?>
 <p:sld xmlns:a="http://schemas.openxmlformats.org/drawingml/2006/main" xmlns:r="http://schemas.openxmlformats.org/officeDocument/2006/relationships" xmlns:mc="http://schemas.openxmlformats.org/markup-compatibility/2006" xmlns:mv="urn:schemas-microsoft-com:mac:vml" xmlns:p="http://schemas.openxmlformats.org/presentationml/2006/main" xmlns:c="http://schemas.openxmlformats.org/drawingml/2006/chart" xmlns:dgm="http://schemas.openxmlformats.org/drawingml/2006/diagram" xmlns:o="urn:schemas-microsoft-com:office:office" xmlns:v="urn:schemas-microsoft-com:vml" xmlns:pvml="urn:schemas-microsoft-com:office:powerpoint" xmlns:com="http://schemas.openxmlformats.org/drawingml/2006/compatibility" xmlns:p14="http://schemas.microsoft.com/office/powerpoint/2010/main" xmlns:p15="http://schemas.microsoft.com/office/powerpoint/2012/main" xmlns:ahyp="http://schemas.microsoft.com/office/drawing/2018/hyperlinkcolor">
   <p:cSld>
     <p:spTree>
       <p:nvGrpSpPr>
-        <p:cNvPr id="164" name="Shape 164"/>
+        <p:cNvPr id="170" name="Shape 170"/>
         <p:cNvGrpSpPr/>
         <p:nvPr/>
       </p:nvGrpSpPr>
@@ -9241,7 +9440,7 @@
       </p:grpSpPr>
       <p:sp>
         <p:nvSpPr>
-          <p:cNvPr id="165" name="Google Shape;165;p26"/>
+          <p:cNvPr id="171" name="Google Shape;171;p27"/>
           <p:cNvSpPr txBox="1"/>
           <p:nvPr>
             <p:ph type="title"/>
@@ -9250,7 +9449,7 @@
         <p:spPr>
           <a:xfrm>
             <a:off x="729450" y="1947800"/>
-            <a:ext cx="7688700" cy="760200"/>
+            <a:ext cx="7688700" cy="958800"/>
           </a:xfrm>
           <a:prstGeom prst="rect">
             <a:avLst/>
@@ -9272,49 +9471,10 @@
               <a:buNone/>
             </a:pPr>
             <a:r>
-              <a:rPr lang="zh-TW" sz="3600"/>
+              <a:rPr lang="zh-TW" sz="4000"/>
               <a:t>Thanks for listening</a:t>
             </a:r>
-            <a:endParaRPr sz="3600"/>
-          </a:p>
-        </p:txBody>
-      </p:sp>
-      <p:sp>
-        <p:nvSpPr>
-          <p:cNvPr id="166" name="Google Shape;166;p26"/>
-          <p:cNvSpPr txBox="1"/>
-          <p:nvPr>
-            <p:ph idx="1" type="body"/>
-          </p:nvPr>
-        </p:nvSpPr>
-        <p:spPr>
-          <a:xfrm>
-            <a:off x="729450" y="2078875"/>
-            <a:ext cx="7688700" cy="2261100"/>
-          </a:xfrm>
-          <a:prstGeom prst="rect">
-            <a:avLst/>
-          </a:prstGeom>
-        </p:spPr>
-        <p:txBody>
-          <a:bodyPr anchorCtr="0" anchor="t" bIns="91425" lIns="91425" spcFirstLastPara="1" rIns="91425" wrap="square" tIns="91425">
-            <a:normAutofit/>
-          </a:bodyPr>
-          <a:lstStyle/>
-          <a:p>
-            <a:pPr indent="0" lvl="0" marL="0" rtl="0" algn="l">
-              <a:spcBef>
-                <a:spcPts val="0"/>
-              </a:spcBef>
-              <a:spcAft>
-                <a:spcPts val="1200"/>
-              </a:spcAft>
-              <a:buNone/>
-            </a:pPr>
-            <a:r>
-              <a:t/>
-            </a:r>
-            <a:endParaRPr/>
+            <a:endParaRPr sz="4000"/>
           </a:p>
         </p:txBody>
       </p:sp>
@@ -9548,8 +9708,8 @@
         </p:nvSpPr>
         <p:spPr>
           <a:xfrm>
-            <a:off x="729450" y="2078875"/>
-            <a:ext cx="7688700" cy="2261100"/>
+            <a:off x="446550" y="2078875"/>
+            <a:ext cx="8254500" cy="2261100"/>
           </a:xfrm>
           <a:prstGeom prst="rect">
             <a:avLst/>
@@ -9561,7 +9721,7 @@
           </a:bodyPr>
           <a:lstStyle/>
           <a:p>
-            <a:pPr indent="-330200" lvl="0" marL="457200" rtl="0" algn="l">
+            <a:pPr indent="-342900" lvl="0" marL="457200" rtl="0" algn="l">
               <a:lnSpc>
                 <a:spcPct val="150000"/>
               </a:lnSpc>
@@ -9571,17 +9731,17 @@
               <a:spcAft>
                 <a:spcPts val="0"/>
               </a:spcAft>
-              <a:buSzPts val="1600"/>
+              <a:buSzPts val="1800"/>
               <a:buChar char="●"/>
             </a:pPr>
             <a:r>
-              <a:rPr lang="zh-TW" sz="1600"/>
+              <a:rPr lang="zh-TW" sz="1800"/>
               <a:t>預想目標範圍：設置於政治大學宿舍</a:t>
             </a:r>
-            <a:endParaRPr sz="1600"/>
+            <a:endParaRPr sz="1800"/>
           </a:p>
           <a:p>
-            <a:pPr indent="-330200" lvl="0" marL="457200" rtl="0" algn="l">
+            <a:pPr indent="-342900" lvl="0" marL="457200" rtl="0" algn="l">
               <a:lnSpc>
                 <a:spcPct val="150000"/>
               </a:lnSpc>
@@ -9591,14 +9751,14 @@
               <a:spcAft>
                 <a:spcPts val="0"/>
               </a:spcAft>
-              <a:buSzPts val="1600"/>
+              <a:buSzPts val="1800"/>
               <a:buChar char="●"/>
             </a:pPr>
             <a:r>
-              <a:rPr lang="zh-TW" sz="1600"/>
+              <a:rPr lang="zh-TW" sz="1800"/>
               <a:t>系統用途：提供學生便捷的報修服務，幫助管理者有效處理與跟進報修需求</a:t>
             </a:r>
-            <a:endParaRPr sz="1600"/>
+            <a:endParaRPr sz="1800"/>
           </a:p>
         </p:txBody>
       </p:sp>
@@ -9705,7 +9865,7 @@
                   <a:srgbClr val="000000"/>
                 </a:solidFill>
               </a:rPr>
-              <a:t>學生角色需求：</a:t>
+              <a:t>學生需求：</a:t>
             </a:r>
             <a:endParaRPr sz="1800">
               <a:solidFill>
@@ -9715,6 +9875,9 @@
           </a:p>
           <a:p>
             <a:pPr indent="-342900" lvl="0" marL="457200" rtl="0" algn="l">
+              <a:lnSpc>
+                <a:spcPct val="150000"/>
+              </a:lnSpc>
               <a:spcBef>
                 <a:spcPts val="1200"/>
               </a:spcBef>
@@ -9744,6 +9907,9 @@
           </a:p>
           <a:p>
             <a:pPr indent="-342900" lvl="0" marL="457200" rtl="0" algn="l">
+              <a:lnSpc>
+                <a:spcPct val="150000"/>
+              </a:lnSpc>
               <a:spcBef>
                 <a:spcPts val="0"/>
               </a:spcBef>
@@ -9773,6 +9939,9 @@
           </a:p>
           <a:p>
             <a:pPr indent="-342900" lvl="0" marL="457200" rtl="0" algn="l">
+              <a:lnSpc>
+                <a:spcPct val="150000"/>
+              </a:lnSpc>
               <a:spcBef>
                 <a:spcPts val="0"/>
               </a:spcBef>
@@ -9924,7 +10093,7 @@
                 <a:cs typeface="Arial"/>
                 <a:sym typeface="Arial"/>
               </a:rPr>
-              <a:t>管理者角色需求：</a:t>
+              <a:t>管理者需求：</a:t>
             </a:r>
             <a:endParaRPr sz="1800">
               <a:solidFill>
@@ -9938,6 +10107,9 @@
           </a:p>
           <a:p>
             <a:pPr indent="-342900" lvl="0" marL="457200" rtl="0" algn="l">
+              <a:lnSpc>
+                <a:spcPct val="150000"/>
+              </a:lnSpc>
               <a:spcBef>
                 <a:spcPts val="1200"/>
               </a:spcBef>
@@ -9961,7 +10133,7 @@
                 <a:cs typeface="Arial"/>
                 <a:sym typeface="Arial"/>
               </a:rPr>
-              <a:t>查看最新報修申請</a:t>
+              <a:t>查看以及處理報修申請</a:t>
             </a:r>
             <a:endParaRPr sz="1800">
               <a:solidFill>
@@ -9975,6 +10147,9 @@
           </a:p>
           <a:p>
             <a:pPr indent="-342900" lvl="0" marL="457200" rtl="0" algn="l">
+              <a:lnSpc>
+                <a:spcPct val="150000"/>
+              </a:lnSpc>
               <a:spcBef>
                 <a:spcPts val="0"/>
               </a:spcBef>
@@ -10012,6 +10187,9 @@
           </a:p>
           <a:p>
             <a:pPr indent="-342900" lvl="0" marL="457200" rtl="0" algn="l">
+              <a:lnSpc>
+                <a:spcPct val="150000"/>
+              </a:lnSpc>
               <a:spcBef>
                 <a:spcPts val="0"/>
               </a:spcBef>
@@ -10035,7 +10213,47 @@
                 <a:cs typeface="Arial"/>
                 <a:sym typeface="Arial"/>
               </a:rPr>
-              <a:t>管理物品清單與統計損壞物品</a:t>
+              <a:t>管理物品清單</a:t>
+            </a:r>
+            <a:endParaRPr sz="1800">
+              <a:solidFill>
+                <a:srgbClr val="000000"/>
+              </a:solidFill>
+              <a:latin typeface="Arial"/>
+              <a:ea typeface="Arial"/>
+              <a:cs typeface="Arial"/>
+              <a:sym typeface="Arial"/>
+            </a:endParaRPr>
+          </a:p>
+          <a:p>
+            <a:pPr indent="-342900" lvl="0" marL="457200" rtl="0" algn="l">
+              <a:lnSpc>
+                <a:spcPct val="150000"/>
+              </a:lnSpc>
+              <a:spcBef>
+                <a:spcPts val="0"/>
+              </a:spcBef>
+              <a:spcAft>
+                <a:spcPts val="0"/>
+              </a:spcAft>
+              <a:buClr>
+                <a:srgbClr val="000000"/>
+              </a:buClr>
+              <a:buSzPts val="1800"/>
+              <a:buFont typeface="Arial"/>
+              <a:buChar char="●"/>
+            </a:pPr>
+            <a:r>
+              <a:rPr lang="zh-TW" sz="1800">
+                <a:solidFill>
+                  <a:srgbClr val="000000"/>
+                </a:solidFill>
+                <a:latin typeface="Arial"/>
+                <a:ea typeface="Arial"/>
+                <a:cs typeface="Arial"/>
+                <a:sym typeface="Arial"/>
+              </a:rPr>
+              <a:t>統計損壞物品</a:t>
             </a:r>
             <a:endParaRPr sz="1800">
               <a:solidFill>
@@ -10119,7 +10337,7 @@
             </a:pPr>
             <a:r>
               <a:rPr lang="zh-TW" sz="3000"/>
-              <a:t>功能性需求</a:t>
+              <a:t>系統功能</a:t>
             </a:r>
             <a:endParaRPr sz="3000"/>
           </a:p>
@@ -10173,6 +10391,9 @@
           </a:p>
           <a:p>
             <a:pPr indent="-342900" lvl="0" marL="457200" rtl="0" algn="l">
+              <a:lnSpc>
+                <a:spcPct val="150000"/>
+              </a:lnSpc>
               <a:spcBef>
                 <a:spcPts val="1200"/>
               </a:spcBef>
@@ -10202,6 +10423,9 @@
           </a:p>
           <a:p>
             <a:pPr indent="-342900" lvl="0" marL="457200" rtl="0" algn="l">
+              <a:lnSpc>
+                <a:spcPct val="150000"/>
+              </a:lnSpc>
               <a:spcBef>
                 <a:spcPts val="0"/>
               </a:spcBef>
@@ -10231,6 +10455,9 @@
           </a:p>
           <a:p>
             <a:pPr indent="-342900" lvl="0" marL="457200" rtl="0" algn="l">
+              <a:lnSpc>
+                <a:spcPct val="150000"/>
+              </a:lnSpc>
               <a:spcBef>
                 <a:spcPts val="0"/>
               </a:spcBef>
@@ -10315,7 +10542,11 @@
             </a:pPr>
             <a:r>
               <a:rPr lang="zh-TW" sz="3000"/>
-              <a:t>功能性需求</a:t>
+              <a:t>系統</a:t>
+            </a:r>
+            <a:r>
+              <a:rPr lang="zh-TW" sz="3000"/>
+              <a:t>功能</a:t>
             </a:r>
             <a:endParaRPr sz="3000"/>
           </a:p>
@@ -10369,6 +10600,9 @@
           </a:p>
           <a:p>
             <a:pPr indent="-342900" lvl="0" marL="457200" rtl="0" algn="l">
+              <a:lnSpc>
+                <a:spcPct val="150000"/>
+              </a:lnSpc>
               <a:spcBef>
                 <a:spcPts val="1200"/>
               </a:spcBef>
@@ -10398,6 +10632,9 @@
           </a:p>
           <a:p>
             <a:pPr indent="-342900" lvl="0" marL="457200" rtl="0" algn="l">
+              <a:lnSpc>
+                <a:spcPct val="150000"/>
+              </a:lnSpc>
               <a:spcBef>
                 <a:spcPts val="0"/>
               </a:spcBef>
@@ -10427,6 +10664,9 @@
           </a:p>
           <a:p>
             <a:pPr indent="-342900" lvl="0" marL="457200" rtl="0" algn="l">
+              <a:lnSpc>
+                <a:spcPct val="150000"/>
+              </a:lnSpc>
               <a:spcBef>
                 <a:spcPts val="0"/>
               </a:spcBef>
@@ -10515,7 +10755,11 @@
             </a:pPr>
             <a:r>
               <a:rPr lang="zh-TW" sz="3000"/>
-              <a:t>功能性需求</a:t>
+              <a:t>系統</a:t>
+            </a:r>
+            <a:r>
+              <a:rPr lang="zh-TW" sz="3000"/>
+              <a:t>功能</a:t>
             </a:r>
             <a:endParaRPr sz="3000"/>
           </a:p>
@@ -10532,7 +10776,7 @@
         <p:spPr>
           <a:xfrm>
             <a:off x="729450" y="2078875"/>
-            <a:ext cx="7688700" cy="2261100"/>
+            <a:ext cx="7688700" cy="2973900"/>
           </a:xfrm>
           <a:prstGeom prst="rect">
             <a:avLst/>
@@ -10540,7 +10784,7 @@
         </p:spPr>
         <p:txBody>
           <a:bodyPr anchorCtr="0" anchor="t" bIns="91425" lIns="91425" spcFirstLastPara="1" rIns="91425" wrap="square" tIns="91425">
-            <a:normAutofit/>
+            <a:normAutofit lnSpcReduction="10000"/>
           </a:bodyPr>
           <a:lstStyle/>
           <a:p>
@@ -10569,6 +10813,9 @@
           </a:p>
           <a:p>
             <a:pPr indent="-342900" lvl="0" marL="457200" rtl="0" algn="l">
+              <a:lnSpc>
+                <a:spcPct val="150000"/>
+              </a:lnSpc>
               <a:spcBef>
                 <a:spcPts val="1200"/>
               </a:spcBef>
@@ -10598,6 +10845,9 @@
           </a:p>
           <a:p>
             <a:pPr indent="-342900" lvl="0" marL="457200" rtl="0" algn="l">
+              <a:lnSpc>
+                <a:spcPct val="150000"/>
+              </a:lnSpc>
               <a:spcBef>
                 <a:spcPts val="0"/>
               </a:spcBef>
@@ -10627,6 +10877,9 @@
           </a:p>
           <a:p>
             <a:pPr indent="-342900" lvl="0" marL="457200" rtl="0" algn="l">
+              <a:lnSpc>
+                <a:spcPct val="150000"/>
+              </a:lnSpc>
               <a:spcBef>
                 <a:spcPts val="0"/>
               </a:spcBef>
@@ -10656,6 +10909,9 @@
           </a:p>
           <a:p>
             <a:pPr indent="-342900" lvl="0" marL="457200" rtl="0" algn="l">
+              <a:lnSpc>
+                <a:spcPct val="150000"/>
+              </a:lnSpc>
               <a:spcBef>
                 <a:spcPts val="0"/>
               </a:spcBef>
@@ -10676,6 +10932,70 @@
                 </a:solidFill>
               </a:rPr>
               <a:t>統計報修紀錄</a:t>
+            </a:r>
+            <a:endParaRPr sz="1800">
+              <a:solidFill>
+                <a:srgbClr val="000000"/>
+              </a:solidFill>
+            </a:endParaRPr>
+          </a:p>
+          <a:p>
+            <a:pPr indent="-342900" lvl="0" marL="457200" rtl="0" algn="l">
+              <a:lnSpc>
+                <a:spcPct val="150000"/>
+              </a:lnSpc>
+              <a:spcBef>
+                <a:spcPts val="0"/>
+              </a:spcBef>
+              <a:spcAft>
+                <a:spcPts val="0"/>
+              </a:spcAft>
+              <a:buClr>
+                <a:srgbClr val="000000"/>
+              </a:buClr>
+              <a:buSzPts val="1800"/>
+              <a:buFont typeface="Arial"/>
+              <a:buChar char="●"/>
+            </a:pPr>
+            <a:r>
+              <a:rPr lang="zh-TW" sz="1800">
+                <a:solidFill>
+                  <a:srgbClr val="000000"/>
+                </a:solidFill>
+              </a:rPr>
+              <a:t>新增/刪除物品</a:t>
+            </a:r>
+            <a:endParaRPr sz="1800">
+              <a:solidFill>
+                <a:srgbClr val="000000"/>
+              </a:solidFill>
+            </a:endParaRPr>
+          </a:p>
+          <a:p>
+            <a:pPr indent="-342900" lvl="0" marL="457200" rtl="0" algn="l">
+              <a:lnSpc>
+                <a:spcPct val="150000"/>
+              </a:lnSpc>
+              <a:spcBef>
+                <a:spcPts val="0"/>
+              </a:spcBef>
+              <a:spcAft>
+                <a:spcPts val="0"/>
+              </a:spcAft>
+              <a:buClr>
+                <a:srgbClr val="000000"/>
+              </a:buClr>
+              <a:buSzPts val="1800"/>
+              <a:buFont typeface="Arial"/>
+              <a:buChar char="●"/>
+            </a:pPr>
+            <a:r>
+              <a:rPr lang="zh-TW" sz="1800">
+                <a:solidFill>
+                  <a:srgbClr val="000000"/>
+                </a:solidFill>
+              </a:rPr>
+              <a:t>編輯物品狀態</a:t>
             </a:r>
             <a:endParaRPr sz="1800">
               <a:solidFill>
@@ -10721,7 +11041,7 @@
         <p:spPr>
           <a:xfrm>
             <a:off x="729450" y="1318650"/>
-            <a:ext cx="7688700" cy="535200"/>
+            <a:ext cx="7688700" cy="657000"/>
           </a:xfrm>
           <a:prstGeom prst="rect">
             <a:avLst/>
@@ -10744,7 +11064,7 @@
             </a:pPr>
             <a:r>
               <a:rPr lang="zh-TW" sz="3000"/>
-              <a:t>非功能性需求</a:t>
+              <a:t>系統非功能需求</a:t>
             </a:r>
             <a:endParaRPr sz="3000"/>
           </a:p>
@@ -10760,8 +11080,8 @@
         </p:nvSpPr>
         <p:spPr>
           <a:xfrm>
-            <a:off x="729450" y="1853850"/>
-            <a:ext cx="7688700" cy="3289500"/>
+            <a:off x="729450" y="1975650"/>
+            <a:ext cx="7688700" cy="3167700"/>
           </a:xfrm>
           <a:prstGeom prst="rect">
             <a:avLst/>
@@ -10888,7 +11208,7 @@
             </a:pPr>
             <a:r>
               <a:rPr lang="zh-TW" sz="1800"/>
-              <a:t>避免 SQL Injection，輸入框過濾特殊符號</a:t>
+              <a:t>避免 SQL Injection</a:t>
             </a:r>
             <a:endParaRPr sz="1800"/>
           </a:p>
@@ -10928,7 +11248,7 @@
             </a:pPr>
             <a:r>
               <a:rPr lang="zh-TW" sz="1800"/>
-              <a:t>使用 Bootstrap 5 響應式設計，適配多種設備</a:t>
+              <a:t>使用 Bootstrap 5 響應式設計，適配不同裝置</a:t>
             </a:r>
             <a:endParaRPr sz="1800"/>
           </a:p>
@@ -10943,6 +11263,285 @@
 </file>
 
 <file path=ppt/theme/theme1.xml><?xml version="1.0" encoding="utf-8"?>
+<a:theme xmlns:a="http://schemas.openxmlformats.org/drawingml/2006/main" xmlns:r="http://schemas.openxmlformats.org/officeDocument/2006/relationships">
+  <a:themeElements>
+    <a:clrScheme name="Default">
+      <a:dk1>
+        <a:srgbClr val="000000"/>
+      </a:dk1>
+      <a:lt1>
+        <a:srgbClr val="FFFFFF"/>
+      </a:lt1>
+      <a:dk2>
+        <a:srgbClr val="158158"/>
+      </a:dk2>
+      <a:lt2>
+        <a:srgbClr val="F3F3F3"/>
+      </a:lt2>
+      <a:accent1>
+        <a:srgbClr val="058DC7"/>
+      </a:accent1>
+      <a:accent2>
+        <a:srgbClr val="50B432"/>
+      </a:accent2>
+      <a:accent3>
+        <a:srgbClr val="ED561B"/>
+      </a:accent3>
+      <a:accent4>
+        <a:srgbClr val="EDEF00"/>
+      </a:accent4>
+      <a:accent5>
+        <a:srgbClr val="24CBE5"/>
+      </a:accent5>
+      <a:accent6>
+        <a:srgbClr val="64E572"/>
+      </a:accent6>
+      <a:hlink>
+        <a:srgbClr val="2200CC"/>
+      </a:hlink>
+      <a:folHlink>
+        <a:srgbClr val="551A8B"/>
+      </a:folHlink>
+    </a:clrScheme>
+    <a:fontScheme name="Office">
+      <a:majorFont>
+        <a:latin typeface="Arial"/>
+        <a:ea typeface=""/>
+        <a:cs typeface=""/>
+        <a:font script="Jpan" typeface="ＭＳ Ｐゴシック"/>
+        <a:font script="Hang" typeface="맑은 고딕"/>
+        <a:font script="Hans" typeface="宋体"/>
+        <a:font script="Hant" typeface="新細明體"/>
+        <a:font script="Arab" typeface="Times New Roman"/>
+        <a:font script="Hebr" typeface="Times New Roman"/>
+        <a:font script="Thai" typeface="Angsana New"/>
+        <a:font script="Ethi" typeface="Nyala"/>
+        <a:font script="Beng" typeface="Vrinda"/>
+        <a:font script="Gujr" typeface="Shruti"/>
+        <a:font script="Khmr" typeface="MoolBoran"/>
+        <a:font script="Knda" typeface="Tunga"/>
+        <a:font script="Guru" typeface="Raavi"/>
+        <a:font script="Cans" typeface="Euphemia"/>
+        <a:font script="Cher" typeface="Plantagenet Cherokee"/>
+        <a:font script="Yiii" typeface="Microsoft Yi Baiti"/>
+        <a:font script="Tibt" typeface="Microsoft Himalaya"/>
+        <a:font script="Thaa" typeface="MV Boli"/>
+        <a:font script="Deva" typeface="Mangal"/>
+        <a:font script="Telu" typeface="Gautami"/>
+        <a:font script="Taml" typeface="Latha"/>
+        <a:font script="Syrc" typeface="Estrangelo Edessa"/>
+        <a:font script="Orya" typeface="Kalinga"/>
+        <a:font script="Mlym" typeface="Kartika"/>
+        <a:font script="Laoo" typeface="DokChampa"/>
+        <a:font script="Sinh" typeface="Iskoola Pota"/>
+        <a:font script="Mong" typeface="Mongolian Baiti"/>
+        <a:font script="Viet" typeface="Times New Roman"/>
+        <a:font script="Uigh" typeface="Microsoft Uighur"/>
+        <a:font script="Geor" typeface="Sylfaen"/>
+      </a:majorFont>
+      <a:minorFont>
+        <a:latin typeface="Arial"/>
+        <a:ea typeface=""/>
+        <a:cs typeface=""/>
+        <a:font script="Jpan" typeface="ＭＳ Ｐゴシック"/>
+        <a:font script="Hang" typeface="맑은 고딕"/>
+        <a:font script="Hans" typeface="宋体"/>
+        <a:font script="Hant" typeface="新細明體"/>
+        <a:font script="Arab" typeface="Arial"/>
+        <a:font script="Hebr" typeface="Arial"/>
+        <a:font script="Thai" typeface="Cordia New"/>
+        <a:font script="Ethi" typeface="Nyala"/>
+        <a:font script="Beng" typeface="Vrinda"/>
+        <a:font script="Gujr" typeface="Shruti"/>
+        <a:font script="Khmr" typeface="DaunPenh"/>
+        <a:font script="Knda" typeface="Tunga"/>
+        <a:font script="Guru" typeface="Raavi"/>
+        <a:font script="Cans" typeface="Euphemia"/>
+        <a:font script="Cher" typeface="Plantagenet Cherokee"/>
+        <a:font script="Yiii" typeface="Microsoft Yi Baiti"/>
+        <a:font script="Tibt" typeface="Microsoft Himalaya"/>
+        <a:font script="Thaa" typeface="MV Boli"/>
+        <a:font script="Deva" typeface="Mangal"/>
+        <a:font script="Telu" typeface="Gautami"/>
+        <a:font script="Taml" typeface="Latha"/>
+        <a:font script="Syrc" typeface="Estrangelo Edessa"/>
+        <a:font script="Orya" typeface="Kalinga"/>
+        <a:font script="Mlym" typeface="Kartika"/>
+        <a:font script="Laoo" typeface="DokChampa"/>
+        <a:font script="Sinh" typeface="Iskoola Pota"/>
+        <a:font script="Mong" typeface="Mongolian Baiti"/>
+        <a:font script="Viet" typeface="Arial"/>
+        <a:font script="Uigh" typeface="Microsoft Uighur"/>
+        <a:font script="Geor" typeface="Sylfaen"/>
+      </a:minorFont>
+    </a:fontScheme>
+    <a:fmtScheme name="Office">
+      <a:fillStyleLst>
+        <a:solidFill>
+          <a:schemeClr val="phClr"/>
+        </a:solidFill>
+        <a:gradFill rotWithShape="1">
+          <a:gsLst>
+            <a:gs pos="0">
+              <a:schemeClr val="phClr">
+                <a:tint val="50000"/>
+                <a:satMod val="300000"/>
+              </a:schemeClr>
+            </a:gs>
+            <a:gs pos="35000">
+              <a:schemeClr val="phClr">
+                <a:tint val="37000"/>
+                <a:satMod val="300000"/>
+              </a:schemeClr>
+            </a:gs>
+            <a:gs pos="100000">
+              <a:schemeClr val="phClr">
+                <a:tint val="15000"/>
+                <a:satMod val="350000"/>
+              </a:schemeClr>
+            </a:gs>
+          </a:gsLst>
+          <a:lin ang="16200000" scaled="1"/>
+        </a:gradFill>
+        <a:gradFill rotWithShape="1">
+          <a:gsLst>
+            <a:gs pos="0">
+              <a:schemeClr val="phClr">
+                <a:tint val="100000"/>
+                <a:shade val="100000"/>
+                <a:satMod val="130000"/>
+              </a:schemeClr>
+            </a:gs>
+            <a:gs pos="100000">
+              <a:schemeClr val="phClr">
+                <a:tint val="50000"/>
+                <a:shade val="100000"/>
+                <a:satMod val="350000"/>
+              </a:schemeClr>
+            </a:gs>
+          </a:gsLst>
+          <a:lin ang="16200000" scaled="0"/>
+        </a:gradFill>
+      </a:fillStyleLst>
+      <a:lnStyleLst>
+        <a:ln w="9525" cap="flat" cmpd="sng" algn="ctr">
+          <a:solidFill>
+            <a:schemeClr val="phClr">
+              <a:shade val="95000"/>
+              <a:satMod val="105000"/>
+            </a:schemeClr>
+          </a:solidFill>
+          <a:prstDash val="solid"/>
+        </a:ln>
+        <a:ln w="25400" cap="flat" cmpd="sng" algn="ctr">
+          <a:solidFill>
+            <a:schemeClr val="phClr"/>
+          </a:solidFill>
+          <a:prstDash val="solid"/>
+        </a:ln>
+        <a:ln w="38100" cap="flat" cmpd="sng" algn="ctr">
+          <a:solidFill>
+            <a:schemeClr val="phClr"/>
+          </a:solidFill>
+          <a:prstDash val="solid"/>
+        </a:ln>
+      </a:lnStyleLst>
+      <a:effectStyleLst>
+        <a:effectStyle>
+          <a:effectLst>
+            <a:outerShdw blurRad="40000" dist="20000" dir="5400000" rotWithShape="0">
+              <a:srgbClr val="000000">
+                <a:alpha val="38000"/>
+              </a:srgbClr>
+            </a:outerShdw>
+          </a:effectLst>
+        </a:effectStyle>
+        <a:effectStyle>
+          <a:effectLst>
+            <a:outerShdw blurRad="40000" dist="23000" dir="5400000" rotWithShape="0">
+              <a:srgbClr val="000000">
+                <a:alpha val="35000"/>
+              </a:srgbClr>
+            </a:outerShdw>
+          </a:effectLst>
+        </a:effectStyle>
+        <a:effectStyle>
+          <a:effectLst>
+            <a:outerShdw blurRad="40000" dist="23000" dir="5400000" rotWithShape="0">
+              <a:srgbClr val="000000">
+                <a:alpha val="35000"/>
+              </a:srgbClr>
+            </a:outerShdw>
+          </a:effectLst>
+          <a:scene3d>
+            <a:camera prst="orthographicFront">
+              <a:rot lat="0" lon="0" rev="0"/>
+            </a:camera>
+            <a:lightRig rig="threePt" dir="t">
+              <a:rot lat="0" lon="0" rev="1200000"/>
+            </a:lightRig>
+          </a:scene3d>
+          <a:sp3d>
+            <a:bevelT w="63500" h="25400"/>
+          </a:sp3d>
+        </a:effectStyle>
+      </a:effectStyleLst>
+      <a:bgFillStyleLst>
+        <a:solidFill>
+          <a:schemeClr val="phClr"/>
+        </a:solidFill>
+        <a:gradFill rotWithShape="1">
+          <a:gsLst>
+            <a:gs pos="0">
+              <a:schemeClr val="phClr">
+                <a:tint val="40000"/>
+                <a:satMod val="350000"/>
+              </a:schemeClr>
+            </a:gs>
+            <a:gs pos="40000">
+              <a:schemeClr val="phClr">
+                <a:tint val="45000"/>
+                <a:shade val="99000"/>
+                <a:satMod val="350000"/>
+              </a:schemeClr>
+            </a:gs>
+            <a:gs pos="100000">
+              <a:schemeClr val="phClr">
+                <a:shade val="20000"/>
+                <a:satMod val="255000"/>
+              </a:schemeClr>
+            </a:gs>
+          </a:gsLst>
+          <a:path path="circle">
+            <a:fillToRect l="50000" t="-80000" r="50000" b="180000"/>
+          </a:path>
+        </a:gradFill>
+        <a:gradFill rotWithShape="1">
+          <a:gsLst>
+            <a:gs pos="0">
+              <a:schemeClr val="phClr">
+                <a:tint val="80000"/>
+                <a:satMod val="300000"/>
+              </a:schemeClr>
+            </a:gs>
+            <a:gs pos="100000">
+              <a:schemeClr val="phClr">
+                <a:shade val="30000"/>
+                <a:satMod val="200000"/>
+              </a:schemeClr>
+            </a:gs>
+          </a:gsLst>
+          <a:path path="circle">
+            <a:fillToRect l="50000" t="50000" r="50000" b="50000"/>
+          </a:path>
+        </a:gradFill>
+      </a:bgFillStyleLst>
+    </a:fmtScheme>
+  </a:themeElements>
+</a:theme>
+</file>
+
+<file path=ppt/theme/theme2.xml><?xml version="1.0" encoding="utf-8"?>
 <a:theme xmlns:a="http://schemas.openxmlformats.org/drawingml/2006/main" xmlns:r="http://schemas.openxmlformats.org/officeDocument/2006/relationships" name="Streamline">
   <a:themeElements>
     <a:clrScheme name="Streamline">
@@ -11219,283 +11818,4 @@
     </a:fmtScheme>
   </a:themeElements>
 </a:theme>
-</file>
-
-<file path=ppt/theme/theme2.xml><?xml version="1.0" encoding="utf-8"?>
-<a:theme xmlns:a="http://schemas.openxmlformats.org/drawingml/2006/main" xmlns:r="http://schemas.openxmlformats.org/officeDocument/2006/relationships">
-  <a:themeElements>
-    <a:clrScheme name="Default">
-      <a:dk1>
-        <a:srgbClr val="000000"/>
-      </a:dk1>
-      <a:lt1>
-        <a:srgbClr val="FFFFFF"/>
-      </a:lt1>
-      <a:dk2>
-        <a:srgbClr val="158158"/>
-      </a:dk2>
-      <a:lt2>
-        <a:srgbClr val="F3F3F3"/>
-      </a:lt2>
-      <a:accent1>
-        <a:srgbClr val="058DC7"/>
-      </a:accent1>
-      <a:accent2>
-        <a:srgbClr val="50B432"/>
-      </a:accent2>
-      <a:accent3>
-        <a:srgbClr val="ED561B"/>
-      </a:accent3>
-      <a:accent4>
-        <a:srgbClr val="EDEF00"/>
-      </a:accent4>
-      <a:accent5>
-        <a:srgbClr val="24CBE5"/>
-      </a:accent5>
-      <a:accent6>
-        <a:srgbClr val="64E572"/>
-      </a:accent6>
-      <a:hlink>
-        <a:srgbClr val="2200CC"/>
-      </a:hlink>
-      <a:folHlink>
-        <a:srgbClr val="551A8B"/>
-      </a:folHlink>
-    </a:clrScheme>
-    <a:fontScheme name="Office">
-      <a:majorFont>
-        <a:latin typeface="Arial"/>
-        <a:ea typeface=""/>
-        <a:cs typeface=""/>
-        <a:font script="Jpan" typeface="ＭＳ Ｐゴシック"/>
-        <a:font script="Hang" typeface="맑은 고딕"/>
-        <a:font script="Hans" typeface="宋体"/>
-        <a:font script="Hant" typeface="新細明體"/>
-        <a:font script="Arab" typeface="Times New Roman"/>
-        <a:font script="Hebr" typeface="Times New Roman"/>
-        <a:font script="Thai" typeface="Angsana New"/>
-        <a:font script="Ethi" typeface="Nyala"/>
-        <a:font script="Beng" typeface="Vrinda"/>
-        <a:font script="Gujr" typeface="Shruti"/>
-        <a:font script="Khmr" typeface="MoolBoran"/>
-        <a:font script="Knda" typeface="Tunga"/>
-        <a:font script="Guru" typeface="Raavi"/>
-        <a:font script="Cans" typeface="Euphemia"/>
-        <a:font script="Cher" typeface="Plantagenet Cherokee"/>
-        <a:font script="Yiii" typeface="Microsoft Yi Baiti"/>
-        <a:font script="Tibt" typeface="Microsoft Himalaya"/>
-        <a:font script="Thaa" typeface="MV Boli"/>
-        <a:font script="Deva" typeface="Mangal"/>
-        <a:font script="Telu" typeface="Gautami"/>
-        <a:font script="Taml" typeface="Latha"/>
-        <a:font script="Syrc" typeface="Estrangelo Edessa"/>
-        <a:font script="Orya" typeface="Kalinga"/>
-        <a:font script="Mlym" typeface="Kartika"/>
-        <a:font script="Laoo" typeface="DokChampa"/>
-        <a:font script="Sinh" typeface="Iskoola Pota"/>
-        <a:font script="Mong" typeface="Mongolian Baiti"/>
-        <a:font script="Viet" typeface="Times New Roman"/>
-        <a:font script="Uigh" typeface="Microsoft Uighur"/>
-        <a:font script="Geor" typeface="Sylfaen"/>
-      </a:majorFont>
-      <a:minorFont>
-        <a:latin typeface="Arial"/>
-        <a:ea typeface=""/>
-        <a:cs typeface=""/>
-        <a:font script="Jpan" typeface="ＭＳ Ｐゴシック"/>
-        <a:font script="Hang" typeface="맑은 고딕"/>
-        <a:font script="Hans" typeface="宋体"/>
-        <a:font script="Hant" typeface="新細明體"/>
-        <a:font script="Arab" typeface="Arial"/>
-        <a:font script="Hebr" typeface="Arial"/>
-        <a:font script="Thai" typeface="Cordia New"/>
-        <a:font script="Ethi" typeface="Nyala"/>
-        <a:font script="Beng" typeface="Vrinda"/>
-        <a:font script="Gujr" typeface="Shruti"/>
-        <a:font script="Khmr" typeface="DaunPenh"/>
-        <a:font script="Knda" typeface="Tunga"/>
-        <a:font script="Guru" typeface="Raavi"/>
-        <a:font script="Cans" typeface="Euphemia"/>
-        <a:font script="Cher" typeface="Plantagenet Cherokee"/>
-        <a:font script="Yiii" typeface="Microsoft Yi Baiti"/>
-        <a:font script="Tibt" typeface="Microsoft Himalaya"/>
-        <a:font script="Thaa" typeface="MV Boli"/>
-        <a:font script="Deva" typeface="Mangal"/>
-        <a:font script="Telu" typeface="Gautami"/>
-        <a:font script="Taml" typeface="Latha"/>
-        <a:font script="Syrc" typeface="Estrangelo Edessa"/>
-        <a:font script="Orya" typeface="Kalinga"/>
-        <a:font script="Mlym" typeface="Kartika"/>
-        <a:font script="Laoo" typeface="DokChampa"/>
-        <a:font script="Sinh" typeface="Iskoola Pota"/>
-        <a:font script="Mong" typeface="Mongolian Baiti"/>
-        <a:font script="Viet" typeface="Arial"/>
-        <a:font script="Uigh" typeface="Microsoft Uighur"/>
-        <a:font script="Geor" typeface="Sylfaen"/>
-      </a:minorFont>
-    </a:fontScheme>
-    <a:fmtScheme name="Office">
-      <a:fillStyleLst>
-        <a:solidFill>
-          <a:schemeClr val="phClr"/>
-        </a:solidFill>
-        <a:gradFill rotWithShape="1">
-          <a:gsLst>
-            <a:gs pos="0">
-              <a:schemeClr val="phClr">
-                <a:tint val="50000"/>
-                <a:satMod val="300000"/>
-              </a:schemeClr>
-            </a:gs>
-            <a:gs pos="35000">
-              <a:schemeClr val="phClr">
-                <a:tint val="37000"/>
-                <a:satMod val="300000"/>
-              </a:schemeClr>
-            </a:gs>
-            <a:gs pos="100000">
-              <a:schemeClr val="phClr">
-                <a:tint val="15000"/>
-                <a:satMod val="350000"/>
-              </a:schemeClr>
-            </a:gs>
-          </a:gsLst>
-          <a:lin ang="16200000" scaled="1"/>
-        </a:gradFill>
-        <a:gradFill rotWithShape="1">
-          <a:gsLst>
-            <a:gs pos="0">
-              <a:schemeClr val="phClr">
-                <a:tint val="100000"/>
-                <a:shade val="100000"/>
-                <a:satMod val="130000"/>
-              </a:schemeClr>
-            </a:gs>
-            <a:gs pos="100000">
-              <a:schemeClr val="phClr">
-                <a:tint val="50000"/>
-                <a:shade val="100000"/>
-                <a:satMod val="350000"/>
-              </a:schemeClr>
-            </a:gs>
-          </a:gsLst>
-          <a:lin ang="16200000" scaled="0"/>
-        </a:gradFill>
-      </a:fillStyleLst>
-      <a:lnStyleLst>
-        <a:ln w="9525" cap="flat" cmpd="sng" algn="ctr">
-          <a:solidFill>
-            <a:schemeClr val="phClr">
-              <a:shade val="95000"/>
-              <a:satMod val="105000"/>
-            </a:schemeClr>
-          </a:solidFill>
-          <a:prstDash val="solid"/>
-        </a:ln>
-        <a:ln w="25400" cap="flat" cmpd="sng" algn="ctr">
-          <a:solidFill>
-            <a:schemeClr val="phClr"/>
-          </a:solidFill>
-          <a:prstDash val="solid"/>
-        </a:ln>
-        <a:ln w="38100" cap="flat" cmpd="sng" algn="ctr">
-          <a:solidFill>
-            <a:schemeClr val="phClr"/>
-          </a:solidFill>
-          <a:prstDash val="solid"/>
-        </a:ln>
-      </a:lnStyleLst>
-      <a:effectStyleLst>
-        <a:effectStyle>
-          <a:effectLst>
-            <a:outerShdw blurRad="40000" dist="20000" dir="5400000" rotWithShape="0">
-              <a:srgbClr val="000000">
-                <a:alpha val="38000"/>
-              </a:srgbClr>
-            </a:outerShdw>
-          </a:effectLst>
-        </a:effectStyle>
-        <a:effectStyle>
-          <a:effectLst>
-            <a:outerShdw blurRad="40000" dist="23000" dir="5400000" rotWithShape="0">
-              <a:srgbClr val="000000">
-                <a:alpha val="35000"/>
-              </a:srgbClr>
-            </a:outerShdw>
-          </a:effectLst>
-        </a:effectStyle>
-        <a:effectStyle>
-          <a:effectLst>
-            <a:outerShdw blurRad="40000" dist="23000" dir="5400000" rotWithShape="0">
-              <a:srgbClr val="000000">
-                <a:alpha val="35000"/>
-              </a:srgbClr>
-            </a:outerShdw>
-          </a:effectLst>
-          <a:scene3d>
-            <a:camera prst="orthographicFront">
-              <a:rot lat="0" lon="0" rev="0"/>
-            </a:camera>
-            <a:lightRig rig="threePt" dir="t">
-              <a:rot lat="0" lon="0" rev="1200000"/>
-            </a:lightRig>
-          </a:scene3d>
-          <a:sp3d>
-            <a:bevelT w="63500" h="25400"/>
-          </a:sp3d>
-        </a:effectStyle>
-      </a:effectStyleLst>
-      <a:bgFillStyleLst>
-        <a:solidFill>
-          <a:schemeClr val="phClr"/>
-        </a:solidFill>
-        <a:gradFill rotWithShape="1">
-          <a:gsLst>
-            <a:gs pos="0">
-              <a:schemeClr val="phClr">
-                <a:tint val="40000"/>
-                <a:satMod val="350000"/>
-              </a:schemeClr>
-            </a:gs>
-            <a:gs pos="40000">
-              <a:schemeClr val="phClr">
-                <a:tint val="45000"/>
-                <a:shade val="99000"/>
-                <a:satMod val="350000"/>
-              </a:schemeClr>
-            </a:gs>
-            <a:gs pos="100000">
-              <a:schemeClr val="phClr">
-                <a:shade val="20000"/>
-                <a:satMod val="255000"/>
-              </a:schemeClr>
-            </a:gs>
-          </a:gsLst>
-          <a:path path="circle">
-            <a:fillToRect l="50000" t="-80000" r="50000" b="180000"/>
-          </a:path>
-        </a:gradFill>
-        <a:gradFill rotWithShape="1">
-          <a:gsLst>
-            <a:gs pos="0">
-              <a:schemeClr val="phClr">
-                <a:tint val="80000"/>
-                <a:satMod val="300000"/>
-              </a:schemeClr>
-            </a:gs>
-            <a:gs pos="100000">
-              <a:schemeClr val="phClr">
-                <a:shade val="30000"/>
-                <a:satMod val="200000"/>
-              </a:schemeClr>
-            </a:gs>
-          </a:gsLst>
-          <a:path path="circle">
-            <a:fillToRect l="50000" t="50000" r="50000" b="50000"/>
-          </a:path>
-        </a:gradFill>
-      </a:bgFillStyleLst>
-    </a:fmtScheme>
-  </a:themeElements>
-</a:theme>
 </file>
--- a/期末報告.pptx
+++ b/期末報告.pptx
@@ -9103,12 +9103,11 @@
             <a:tbl>
               <a:tblPr>
                 <a:noFill/>
-                <a:tableStyleId>{89D25831-053F-4F6E-B5B9-E16803E3CF80}</a:tableStyleId>
+                <a:tableStyleId>{CD27C008-581B-4EFF-94B7-26E1865CC352}</a:tableStyleId>
               </a:tblPr>
               <a:tblGrid>
-                <a:gridCol w="2562900"/>
-                <a:gridCol w="2562900"/>
-                <a:gridCol w="2562900"/>
+                <a:gridCol w="1989500"/>
+                <a:gridCol w="5146000"/>
               </a:tblGrid>
               <a:tr h="458050">
                 <a:tc>
@@ -9157,31 +9156,8 @@
                   </a:txBody>
                   <a:tcPr marT="91425" marB="91425" marR="91425" marL="91425"/>
                 </a:tc>
-                <a:tc>
-                  <a:txBody>
-                    <a:bodyPr/>
-                    <a:lstStyle/>
-                    <a:p>
-                      <a:pPr indent="0" lvl="0" marL="0" rtl="0" algn="l">
-                        <a:spcBef>
-                          <a:spcPts val="0"/>
-                        </a:spcBef>
-                        <a:spcAft>
-                          <a:spcPts val="0"/>
-                        </a:spcAft>
-                        <a:buNone/>
-                      </a:pPr>
-                      <a:r>
-                        <a:rPr lang="zh-TW"/>
-                        <a:t>百分比</a:t>
-                      </a:r>
-                      <a:endParaRPr/>
-                    </a:p>
-                  </a:txBody>
-                  <a:tcPr marT="91425" marB="91425" marR="91425" marL="91425"/>
-                </a:tc>
               </a:tr>
-              <a:tr h="832650">
+              <a:tr h="741825">
                 <a:tc>
                   <a:txBody>
                     <a:bodyPr/>
@@ -9189,7 +9165,7 @@
                     <a:p>
                       <a:pPr indent="0" lvl="0" marL="0" rtl="0" algn="l">
                         <a:lnSpc>
-                          <a:spcPct val="150000"/>
+                          <a:spcPct val="100000"/>
                         </a:lnSpc>
                         <a:spcBef>
                           <a:spcPts val="0"/>
@@ -9218,29 +9194,7 @@
                       </a:endParaRPr>
                     </a:p>
                   </a:txBody>
-                  <a:tcPr marT="91425" marB="91425" marR="91425" marL="91425"/>
-                </a:tc>
-                <a:tc>
-                  <a:txBody>
-                    <a:bodyPr/>
-                    <a:lstStyle/>
-                    <a:p>
-                      <a:pPr indent="0" lvl="0" marL="0" rtl="0" algn="l">
-                        <a:spcBef>
-                          <a:spcPts val="0"/>
-                        </a:spcBef>
-                        <a:spcAft>
-                          <a:spcPts val="0"/>
-                        </a:spcAft>
-                        <a:buNone/>
-                      </a:pPr>
-                      <a:r>
-                        <a:t/>
-                      </a:r>
-                      <a:endParaRPr/>
-                    </a:p>
-                  </a:txBody>
-                  <a:tcPr marT="91425" marB="91425" marR="91425" marL="91425"/>
+                  <a:tcPr marT="91425" marB="91425" marR="91425" marL="91425" anchor="ctr"/>
                 </a:tc>
                 <a:tc>
                   <a:txBody>
@@ -9297,29 +9251,7 @@
                       </a:endParaRPr>
                     </a:p>
                   </a:txBody>
-                  <a:tcPr marT="91425" marB="91425" marR="91425" marL="91425"/>
-                </a:tc>
-                <a:tc>
-                  <a:txBody>
-                    <a:bodyPr/>
-                    <a:lstStyle/>
-                    <a:p>
-                      <a:pPr indent="0" lvl="0" marL="0" rtl="0" algn="l">
-                        <a:spcBef>
-                          <a:spcPts val="0"/>
-                        </a:spcBef>
-                        <a:spcAft>
-                          <a:spcPts val="0"/>
-                        </a:spcAft>
-                        <a:buNone/>
-                      </a:pPr>
-                      <a:r>
-                        <a:t/>
-                      </a:r>
-                      <a:endParaRPr/>
-                    </a:p>
-                  </a:txBody>
-                  <a:tcPr marT="91425" marB="91425" marR="91425" marL="91425"/>
+                  <a:tcPr marT="91425" marB="91425" marR="91425" marL="91425" anchor="ctr"/>
                 </a:tc>
                 <a:tc>
                   <a:txBody>

--- a/期末報告.pptx
+++ b/期末報告.pptx
@@ -26,37 +26,37 @@
   <p:notesSz cx="6858000" cy="9144000"/>
   <p:embeddedFontLst>
     <p:embeddedFont>
-      <p:font typeface="微軟正黑體" panose="020B0604030504040204" pitchFamily="34" charset="-120"/>
+      <p:font typeface="Bebas Neue" panose="020B0606020202050201" pitchFamily="34" charset="0"/>
       <p:regular r:id="rId16"/>
-      <p:bold r:id="rId17"/>
-    </p:embeddedFont>
-    <p:embeddedFont>
-      <p:font typeface="Bebas Neue" panose="020B0606020202050201" pitchFamily="34" charset="0"/>
-      <p:regular r:id="rId18"/>
     </p:embeddedFont>
     <p:embeddedFont>
       <p:font typeface="Crete Round" panose="02020500000000000000" charset="0"/>
-      <p:regular r:id="rId19"/>
-      <p:italic r:id="rId20"/>
+      <p:regular r:id="rId17"/>
+      <p:italic r:id="rId18"/>
     </p:embeddedFont>
     <p:embeddedFont>
       <p:font typeface="Lato" panose="020F0502020204030203" pitchFamily="34" charset="0"/>
-      <p:regular r:id="rId21"/>
-      <p:bold r:id="rId22"/>
-      <p:italic r:id="rId23"/>
-      <p:boldItalic r:id="rId24"/>
+      <p:regular r:id="rId19"/>
+      <p:bold r:id="rId20"/>
+      <p:italic r:id="rId21"/>
+      <p:boldItalic r:id="rId22"/>
     </p:embeddedFont>
     <p:embeddedFont>
       <p:font typeface="Nunito Light" pitchFamily="2" charset="0"/>
-      <p:regular r:id="rId25"/>
-      <p:italic r:id="rId26"/>
+      <p:regular r:id="rId23"/>
+      <p:italic r:id="rId24"/>
     </p:embeddedFont>
     <p:embeddedFont>
       <p:font typeface="PT Sans" panose="020B0503020203020204" pitchFamily="34" charset="0"/>
-      <p:regular r:id="rId27"/>
-      <p:bold r:id="rId28"/>
-      <p:italic r:id="rId29"/>
-      <p:boldItalic r:id="rId30"/>
+      <p:regular r:id="rId25"/>
+      <p:bold r:id="rId26"/>
+      <p:italic r:id="rId27"/>
+      <p:boldItalic r:id="rId28"/>
+    </p:embeddedFont>
+    <p:embeddedFont>
+      <p:font typeface="微軟正黑體" panose="020B0604030504040204" pitchFamily="34" charset="-120"/>
+      <p:regular r:id="rId29"/>
+      <p:bold r:id="rId30"/>
     </p:embeddedFont>
   </p:embeddedFontLst>
   <p:defaultTextStyle>
@@ -26997,14 +26997,14 @@
           <p:nvPr>
             <p:extLst>
               <p:ext uri="{D42A27DB-BD31-4B8C-83A1-F6EECF244321}">
-                <p14:modId xmlns:p14="http://schemas.microsoft.com/office/powerpoint/2010/main" val="2517711608"/>
+                <p14:modId xmlns:p14="http://schemas.microsoft.com/office/powerpoint/2010/main" val="1218656934"/>
               </p:ext>
             </p:extLst>
           </p:nvPr>
         </p:nvGraphicFramePr>
         <p:xfrm>
-          <a:off x="1110882" y="1822209"/>
-          <a:ext cx="6975135" cy="1689435"/>
+          <a:off x="1128884" y="1518849"/>
+          <a:ext cx="6975135" cy="2302283"/>
         </p:xfrm>
         <a:graphic>
           <a:graphicData uri="http://schemas.openxmlformats.org/drawingml/2006/table">
@@ -27045,7 +27045,7 @@
                         <a:buNone/>
                       </a:pPr>
                       <a:r>
-                        <a:rPr lang="zh-TW" altLang="en-US" sz="1800" dirty="0">
+                        <a:rPr lang="zh-TW" altLang="en-US" sz="1800" b="1" dirty="0">
                           <a:solidFill>
                             <a:schemeClr val="accent6"/>
                           </a:solidFill>
@@ -27185,7 +27185,7 @@
                         <a:buNone/>
                       </a:pPr>
                       <a:r>
-                        <a:rPr lang="zh-TW" altLang="en-US" sz="1800" dirty="0">
+                        <a:rPr lang="zh-TW" altLang="en-US" sz="1800" b="1" dirty="0">
                           <a:solidFill>
                             <a:schemeClr val="accent6"/>
                           </a:solidFill>
@@ -27196,7 +27196,7 @@
                         </a:rPr>
                         <a:t>賴映君</a:t>
                       </a:r>
-                      <a:endParaRPr lang="zh-TW" altLang="en-US" sz="1800" dirty="0">
+                      <a:endParaRPr lang="zh-TW" altLang="en-US" sz="1800" b="1" dirty="0">
                         <a:solidFill>
                           <a:schemeClr val="accent6"/>
                         </a:solidFill>
@@ -27253,6 +27253,9 @@
                     <a:lstStyle/>
                     <a:p>
                       <a:pPr marL="0" lvl="0" indent="0" algn="ctr" rtl="0">
+                        <a:lnSpc>
+                          <a:spcPct val="150000"/>
+                        </a:lnSpc>
                         <a:spcBef>
                           <a:spcPts val="0"/>
                         </a:spcBef>
@@ -27275,6 +27278,9 @@
                     </a:p>
                     <a:p>
                       <a:pPr marL="0" lvl="0" indent="0" algn="ctr" rtl="0">
+                        <a:lnSpc>
+                          <a:spcPct val="150000"/>
+                        </a:lnSpc>
                         <a:spcBef>
                           <a:spcPts val="0"/>
                         </a:spcBef>
@@ -27300,9 +27306,76 @@
                         </a:rPr>
                         <a:t>(RUD)</a:t>
                       </a:r>
-                      <a:endParaRPr sz="1600" b="1" dirty="0">
+                      <a:r>
+                        <a:rPr lang="zh-TW" altLang="en-US" sz="1600" b="0" dirty="0">
+                          <a:solidFill>
+                            <a:schemeClr val="tx1"/>
+                          </a:solidFill>
+                          <a:latin typeface="微軟正黑體" panose="020B0604030504040204" pitchFamily="34" charset="-120"/>
+                          <a:ea typeface="微軟正黑體" panose="020B0604030504040204" pitchFamily="34" charset="-120"/>
+                        </a:rPr>
+                        <a:t> 、簡報製作</a:t>
+                      </a:r>
+                      <a:endParaRPr lang="en-US" altLang="zh-TW" sz="1600" b="0" dirty="0">
                         <a:solidFill>
-                          <a:schemeClr val="tx2"/>
+                          <a:schemeClr val="tx1"/>
+                        </a:solidFill>
+                        <a:latin typeface="微軟正黑體" panose="020B0604030504040204" pitchFamily="34" charset="-120"/>
+                        <a:ea typeface="微軟正黑體" panose="020B0604030504040204" pitchFamily="34" charset="-120"/>
+                      </a:endParaRPr>
+                    </a:p>
+                    <a:p>
+                      <a:pPr marL="0" lvl="0" indent="0" algn="ctr" rtl="0">
+                        <a:lnSpc>
+                          <a:spcPct val="150000"/>
+                        </a:lnSpc>
+                        <a:spcBef>
+                          <a:spcPts val="0"/>
+                        </a:spcBef>
+                        <a:spcAft>
+                          <a:spcPts val="0"/>
+                        </a:spcAft>
+                        <a:buNone/>
+                      </a:pPr>
+                      <a:r>
+                        <a:rPr lang="zh-TW" altLang="en-US" sz="1600" b="0" dirty="0">
+                          <a:solidFill>
+                            <a:schemeClr val="tx1"/>
+                          </a:solidFill>
+                          <a:latin typeface="微軟正黑體" panose="020B0604030504040204" pitchFamily="34" charset="-120"/>
+                          <a:ea typeface="微軟正黑體" panose="020B0604030504040204" pitchFamily="34" charset="-120"/>
+                          <a:cs typeface="PT Sans"/>
+                          <a:sym typeface="PT Sans"/>
+                        </a:rPr>
+                        <a:t>報告</a:t>
+                      </a:r>
+                      <a:r>
+                        <a:rPr lang="en-US" altLang="zh-TW" sz="1600" b="0" dirty="0">
+                          <a:solidFill>
+                            <a:schemeClr val="tx1"/>
+                          </a:solidFill>
+                          <a:latin typeface="微軟正黑體" panose="020B0604030504040204" pitchFamily="34" charset="-120"/>
+                          <a:ea typeface="微軟正黑體" panose="020B0604030504040204" pitchFamily="34" charset="-120"/>
+                          <a:cs typeface="PT Sans"/>
+                          <a:sym typeface="PT Sans"/>
+                        </a:rPr>
+                        <a:t>-Demo</a:t>
+                      </a:r>
+                      <a:r>
+                        <a:rPr lang="zh-TW" altLang="en-US" sz="1600" b="0" dirty="0">
+                          <a:solidFill>
+                            <a:schemeClr val="tx1"/>
+                          </a:solidFill>
+                          <a:latin typeface="微軟正黑體" panose="020B0604030504040204" pitchFamily="34" charset="-120"/>
+                          <a:ea typeface="微軟正黑體" panose="020B0604030504040204" pitchFamily="34" charset="-120"/>
+                          <a:cs typeface="PT Sans"/>
+                          <a:sym typeface="PT Sans"/>
+                        </a:rPr>
+                        <a:t>示範</a:t>
+                      </a:r>
+                      <a:endParaRPr sz="1600" b="0" dirty="0">
+                        <a:solidFill>
+                          <a:schemeClr val="tx1"/>
                         </a:solidFill>
                         <a:latin typeface="微軟正黑體" panose="020B0604030504040204" pitchFamily="34" charset="-120"/>
                         <a:ea typeface="微軟正黑體" panose="020B0604030504040204" pitchFamily="34" charset="-120"/>
@@ -27372,7 +27445,7 @@
                         <a:buNone/>
                       </a:pPr>
                       <a:r>
-                        <a:rPr lang="zh-TW" altLang="en-US" sz="1800" dirty="0">
+                        <a:rPr lang="zh-TW" altLang="en-US" sz="1800" b="1" dirty="0">
                           <a:solidFill>
                             <a:schemeClr val="accent6"/>
                           </a:solidFill>
@@ -27433,6 +27506,9 @@
                     <a:lstStyle/>
                     <a:p>
                       <a:pPr marL="0" lvl="0" indent="0" algn="ctr" rtl="0">
+                        <a:lnSpc>
+                          <a:spcPct val="150000"/>
+                        </a:lnSpc>
                         <a:spcBef>
                           <a:spcPts val="0"/>
                         </a:spcBef>
@@ -27463,7 +27539,61 @@
                           <a:latin typeface="微軟正黑體" panose="020B0604030504040204" pitchFamily="34" charset="-120"/>
                           <a:ea typeface="微軟正黑體" panose="020B0604030504040204" pitchFamily="34" charset="-120"/>
                         </a:rPr>
-                        <a:t>、系統測試</a:t>
+                        <a:t>、系統測試、簡報製作</a:t>
+                      </a:r>
+                      <a:endParaRPr lang="en-US" altLang="zh-TW" sz="1600" dirty="0">
+                        <a:latin typeface="微軟正黑體" panose="020B0604030504040204" pitchFamily="34" charset="-120"/>
+                        <a:ea typeface="微軟正黑體" panose="020B0604030504040204" pitchFamily="34" charset="-120"/>
+                      </a:endParaRPr>
+                    </a:p>
+                    <a:p>
+                      <a:pPr marL="0" lvl="0" indent="0" algn="ctr" rtl="0">
+                        <a:lnSpc>
+                          <a:spcPct val="150000"/>
+                        </a:lnSpc>
+                        <a:spcBef>
+                          <a:spcPts val="0"/>
+                        </a:spcBef>
+                        <a:spcAft>
+                          <a:spcPts val="0"/>
+                        </a:spcAft>
+                        <a:buNone/>
+                      </a:pPr>
+                      <a:r>
+                        <a:rPr lang="zh-TW" altLang="en-US" sz="1600" dirty="0">
+                          <a:solidFill>
+                            <a:schemeClr val="dk1"/>
+                          </a:solidFill>
+                          <a:latin typeface="微軟正黑體" panose="020B0604030504040204" pitchFamily="34" charset="-120"/>
+                          <a:ea typeface="微軟正黑體" panose="020B0604030504040204" pitchFamily="34" charset="-120"/>
+                          <a:cs typeface="PT Sans"/>
+                          <a:sym typeface="PT Sans"/>
+                        </a:rPr>
+                        <a:t>報告</a:t>
+                      </a:r>
+                      <a:r>
+                        <a:rPr lang="en-US" altLang="zh-TW" sz="1600" dirty="0">
+                          <a:solidFill>
+                            <a:schemeClr val="dk1"/>
+                          </a:solidFill>
+                          <a:latin typeface="微軟正黑體" panose="020B0604030504040204" pitchFamily="34" charset="-120"/>
+                          <a:ea typeface="微軟正黑體" panose="020B0604030504040204" pitchFamily="34" charset="-120"/>
+                          <a:cs typeface="PT Sans"/>
+                          <a:sym typeface="PT Sans"/>
+                        </a:rPr>
+                        <a:t>-</a:t>
+                      </a:r>
+                      <a:r>
+                        <a:rPr lang="zh-TW" altLang="en-US" sz="1600" dirty="0">
+                          <a:solidFill>
+                            <a:schemeClr val="dk1"/>
+                          </a:solidFill>
+                          <a:latin typeface="微軟正黑體" panose="020B0604030504040204" pitchFamily="34" charset="-120"/>
+                          <a:ea typeface="微軟正黑體" panose="020B0604030504040204" pitchFamily="34" charset="-120"/>
+                          <a:cs typeface="PT Sans"/>
+                          <a:sym typeface="PT Sans"/>
+                        </a:rPr>
+                        <a:t>簡報說明</a:t>
                       </a:r>
                       <a:endParaRPr sz="1600" dirty="0">
                         <a:solidFill>
